--- a/Entrega Final/Interfaz_final/diagrama de bloques interfaz.pptx
+++ b/Entrega Final/Interfaz_final/diagrama de bloques interfaz.pptx
@@ -3474,7 +3474,7 @@
         </p:nvSpPr>
         <p:spPr>
           <a:xfrm>
-            <a:off x="899592" y="2132856"/>
+            <a:off x="899592" y="1988840"/>
             <a:ext cx="806489" cy="360040"/>
           </a:xfrm>
           <a:prstGeom prst="rect">
@@ -3550,42 +3550,6 @@
           </a:p>
         </p:txBody>
       </p:sp>
-      <p:cxnSp>
-        <p:nvCxnSpPr>
-          <p:cNvPr id="8" name="7 Conector recto de flecha"/>
-          <p:cNvCxnSpPr>
-            <a:stCxn id="5" idx="3"/>
-            <a:endCxn id="6" idx="1"/>
-          </p:cNvCxnSpPr>
-          <p:nvPr/>
-        </p:nvCxnSpPr>
-        <p:spPr>
-          <a:xfrm>
-            <a:off x="1706081" y="2312876"/>
-            <a:ext cx="921703" cy="0"/>
-          </a:xfrm>
-          <a:prstGeom prst="straightConnector1">
-            <a:avLst/>
-          </a:prstGeom>
-          <a:ln>
-            <a:tailEnd type="arrow"/>
-          </a:ln>
-        </p:spPr>
-        <p:style>
-          <a:lnRef idx="3">
-            <a:schemeClr val="accent2"/>
-          </a:lnRef>
-          <a:fillRef idx="0">
-            <a:schemeClr val="accent2"/>
-          </a:fillRef>
-          <a:effectRef idx="2">
-            <a:schemeClr val="accent2"/>
-          </a:effectRef>
-          <a:fontRef idx="minor">
-            <a:schemeClr val="tx1"/>
-          </a:fontRef>
-        </p:style>
-      </p:cxnSp>
       <p:sp>
         <p:nvSpPr>
           <p:cNvPr id="9" name="8 Rectángulo"/>
@@ -3594,7 +3558,7 @@
         </p:nvSpPr>
         <p:spPr>
           <a:xfrm>
-            <a:off x="1130018" y="1628800"/>
+            <a:off x="683568" y="1340768"/>
             <a:ext cx="748883" cy="320036"/>
           </a:xfrm>
           <a:prstGeom prst="rect">
@@ -3639,13 +3603,13 @@
         </p:nvCxnSpPr>
         <p:spPr>
           <a:xfrm rot="5400000" flipH="1">
-            <a:off x="864389" y="2054448"/>
-            <a:ext cx="704078" cy="172819"/>
+            <a:off x="569156" y="1615199"/>
+            <a:ext cx="848094" cy="619269"/>
           </a:xfrm>
           <a:prstGeom prst="bentConnector4">
             <a:avLst>
-              <a:gd name="adj1" fmla="val -32468"/>
-              <a:gd name="adj2" fmla="val 365611"/>
+              <a:gd name="adj1" fmla="val -26955"/>
+              <a:gd name="adj2" fmla="val 136914"/>
             </a:avLst>
           </a:prstGeom>
           <a:ln>
@@ -3720,8 +3684,8 @@
         </p:nvCxnSpPr>
         <p:spPr>
           <a:xfrm>
-            <a:off x="1878901" y="1788818"/>
-            <a:ext cx="1152128" cy="344038"/>
+            <a:off x="1432451" y="1500786"/>
+            <a:ext cx="1598578" cy="632070"/>
           </a:xfrm>
           <a:prstGeom prst="bentConnector2">
             <a:avLst/>
@@ -3761,7 +3725,7 @@
           </a:xfrm>
           <a:prstGeom prst="bentConnector3">
             <a:avLst>
-              <a:gd name="adj1" fmla="val 50000"/>
+              <a:gd name="adj1" fmla="val 26912"/>
             </a:avLst>
           </a:prstGeom>
           <a:ln>
@@ -5053,18 +5017,20 @@
         <p:nvCxnSpPr>
           <p:cNvPr id="245" name="244 Forma"/>
           <p:cNvCxnSpPr>
-            <a:stCxn id="6" idx="3"/>
-            <a:endCxn id="162" idx="2"/>
+            <a:stCxn id="5" idx="3"/>
+            <a:endCxn id="162" idx="1"/>
           </p:cNvCxnSpPr>
           <p:nvPr/>
         </p:nvCxnSpPr>
         <p:spPr>
           <a:xfrm flipV="1">
-            <a:off x="3434273" y="1836823"/>
-            <a:ext cx="1263988" cy="476053"/>
-          </a:xfrm>
-          <a:prstGeom prst="bentConnector2">
-            <a:avLst/>
+            <a:off x="1706081" y="1624800"/>
+            <a:ext cx="2217847" cy="544060"/>
+          </a:xfrm>
+          <a:prstGeom prst="bentConnector3">
+            <a:avLst>
+              <a:gd name="adj1" fmla="val 34196"/>
+            </a:avLst>
           </a:prstGeom>
           <a:ln>
             <a:tailEnd type="arrow"/>
@@ -5760,7 +5726,7 @@
           <a:p>
             <a:pPr algn="ctr"/>
             <a:r>
-              <a:rPr lang="es-VE" sz="1400" dirty="0" err="1" smtClean="0"/>
+              <a:rPr lang="es-VE" sz="1400" dirty="0" smtClean="0"/>
               <a:t>SeñalActivada</a:t>
             </a:r>
             <a:endParaRPr lang="es-ES" sz="1400" dirty="0"/>
@@ -7071,11 +7037,7 @@
             <a:pPr algn="ctr"/>
             <a:r>
               <a:rPr lang="es-VE" sz="1400" dirty="0" smtClean="0"/>
-              <a:t>Botón </a:t>
-            </a:r>
-            <a:r>
-              <a:rPr lang="es-VE" sz="1400" dirty="0" err="1" smtClean="0"/>
-              <a:t>Slow</a:t>
+              <a:t>Botón Slow</a:t>
             </a:r>
             <a:endParaRPr lang="es-ES" sz="1400" dirty="0"/>
           </a:p>
@@ -7247,7 +7209,7 @@
           </a:xfrm>
           <a:prstGeom prst="bentConnector4">
             <a:avLst>
-              <a:gd name="adj1" fmla="val -20855"/>
+              <a:gd name="adj1" fmla="val -13903"/>
               <a:gd name="adj2" fmla="val 63490"/>
             </a:avLst>
           </a:prstGeom>
@@ -7378,6 +7340,44 @@
           </a:fillRef>
           <a:effectRef idx="1">
             <a:schemeClr val="accent5"/>
+          </a:effectRef>
+          <a:fontRef idx="minor">
+            <a:schemeClr val="tx1"/>
+          </a:fontRef>
+        </p:style>
+      </p:cxnSp>
+      <p:cxnSp>
+        <p:nvCxnSpPr>
+          <p:cNvPr id="690" name="689 Conector angular"/>
+          <p:cNvCxnSpPr>
+            <a:stCxn id="5" idx="3"/>
+            <a:endCxn id="6" idx="1"/>
+          </p:cNvCxnSpPr>
+          <p:nvPr/>
+        </p:nvCxnSpPr>
+        <p:spPr>
+          <a:xfrm>
+            <a:off x="1706081" y="2168860"/>
+            <a:ext cx="921703" cy="144016"/>
+          </a:xfrm>
+          <a:prstGeom prst="bentConnector3">
+            <a:avLst>
+              <a:gd name="adj1" fmla="val 50000"/>
+            </a:avLst>
+          </a:prstGeom>
+          <a:ln>
+            <a:tailEnd type="arrow"/>
+          </a:ln>
+        </p:spPr>
+        <p:style>
+          <a:lnRef idx="2">
+            <a:schemeClr val="accent2"/>
+          </a:lnRef>
+          <a:fillRef idx="0">
+            <a:schemeClr val="accent2"/>
+          </a:fillRef>
+          <a:effectRef idx="1">
+            <a:schemeClr val="accent2"/>
           </a:effectRef>
           <a:fontRef idx="minor">
             <a:schemeClr val="tx1"/>

--- a/Entrega Final/Interfaz_final/diagrama de bloques interfaz.pptx
+++ b/Entrega Final/Interfaz_final/diagrama de bloques interfaz.pptx
@@ -3516,7 +3516,7 @@
         </p:nvSpPr>
         <p:spPr>
           <a:xfrm>
-            <a:off x="2627784" y="2132856"/>
+            <a:off x="2267744" y="2132856"/>
             <a:ext cx="806489" cy="360040"/>
           </a:xfrm>
           <a:prstGeom prst="rect">
@@ -3685,7 +3685,7 @@
         <p:spPr>
           <a:xfrm>
             <a:off x="1432451" y="1500786"/>
-            <a:ext cx="1598578" cy="632070"/>
+            <a:ext cx="1238538" cy="632070"/>
           </a:xfrm>
           <a:prstGeom prst="bentConnector2">
             <a:avLst/>
@@ -3720,12 +3720,12 @@
         </p:nvCxnSpPr>
         <p:spPr>
           <a:xfrm rot="16200000" flipV="1">
-            <a:off x="2109327" y="1211154"/>
-            <a:ext cx="792088" cy="1051316"/>
+            <a:off x="1929307" y="1391174"/>
+            <a:ext cx="792088" cy="691276"/>
           </a:xfrm>
           <a:prstGeom prst="bentConnector3">
             <a:avLst>
-              <a:gd name="adj1" fmla="val 26912"/>
+              <a:gd name="adj1" fmla="val 50000"/>
             </a:avLst>
           </a:prstGeom>
           <a:ln>
@@ -3835,11 +3835,11 @@
         <p:spPr>
           <a:xfrm>
             <a:off x="2354154" y="1160748"/>
-            <a:ext cx="1080119" cy="1152128"/>
+            <a:ext cx="720079" cy="1152128"/>
           </a:xfrm>
           <a:prstGeom prst="bentConnector3">
             <a:avLst>
-              <a:gd name="adj1" fmla="val 121164"/>
+              <a:gd name="adj1" fmla="val 131747"/>
             </a:avLst>
           </a:prstGeom>
           <a:ln>
@@ -5017,19 +5017,19 @@
         <p:nvCxnSpPr>
           <p:cNvPr id="245" name="244 Forma"/>
           <p:cNvCxnSpPr>
-            <a:stCxn id="5" idx="3"/>
+            <a:stCxn id="6" idx="3"/>
             <a:endCxn id="162" idx="1"/>
           </p:cNvCxnSpPr>
           <p:nvPr/>
         </p:nvCxnSpPr>
         <p:spPr>
           <a:xfrm flipV="1">
-            <a:off x="1706081" y="1624800"/>
-            <a:ext cx="2217847" cy="544060"/>
+            <a:off x="3074233" y="1624800"/>
+            <a:ext cx="849695" cy="688076"/>
           </a:xfrm>
           <a:prstGeom prst="bentConnector3">
             <a:avLst>
-              <a:gd name="adj1" fmla="val 34196"/>
+              <a:gd name="adj1" fmla="val 50000"/>
             </a:avLst>
           </a:prstGeom>
           <a:ln>
@@ -6582,8 +6582,8 @@
         </p:nvCxnSpPr>
         <p:spPr>
           <a:xfrm rot="16200000" flipV="1">
-            <a:off x="2100449" y="3423476"/>
-            <a:ext cx="2088232" cy="227072"/>
+            <a:off x="1920429" y="3243456"/>
+            <a:ext cx="2088232" cy="587112"/>
           </a:xfrm>
           <a:prstGeom prst="bentConnector3">
             <a:avLst>
@@ -6620,8 +6620,8 @@
         </p:nvCxnSpPr>
         <p:spPr>
           <a:xfrm rot="5400000">
-            <a:off x="1583669" y="1621600"/>
-            <a:ext cx="576064" cy="2318657"/>
+            <a:off x="1403649" y="1801620"/>
+            <a:ext cx="576064" cy="1958617"/>
           </a:xfrm>
           <a:prstGeom prst="bentConnector3">
             <a:avLst>
@@ -7358,7 +7358,7 @@
         <p:spPr>
           <a:xfrm>
             <a:off x="1706081" y="2168860"/>
-            <a:ext cx="921703" cy="144016"/>
+            <a:ext cx="561663" cy="144016"/>
           </a:xfrm>
           <a:prstGeom prst="bentConnector3">
             <a:avLst>
